--- a/lecture notes/from Modeling to Continuous-time LQ/powerpoint_handouts (work in progress)/04-Inverse Laplace transform (imcmp-handout-dark) - pub.pptx
+++ b/lecture notes/from Modeling to Continuous-time LQ/powerpoint_handouts (work in progress)/04-Inverse Laplace transform (imcmp-handout-dark) - pub.pptx
@@ -256,7 +256,7 @@
           <a:p>
             <a:fld id="{1D8BD707-D9CF-40AE-B4C6-C98DA3205C09}" type="datetimeFigureOut">
               <a:rPr lang="en-US"/>
-              <a:t>7/20/25</a:t>
+              <a:t>10/21/25</a:t>
             </a:fld>
             <a:endParaRPr lang="en-US"/>
           </a:p>
@@ -454,7 +454,7 @@
           <a:p>
             <a:fld id="{1D8BD707-D9CF-40AE-B4C6-C98DA3205C09}" type="datetimeFigureOut">
               <a:rPr lang="en-US"/>
-              <a:t>7/20/25</a:t>
+              <a:t>10/21/25</a:t>
             </a:fld>
             <a:endParaRPr lang="en-US"/>
           </a:p>
@@ -715,7 +715,7 @@
           <a:p>
             <a:fld id="{1D8BD707-D9CF-40AE-B4C6-C98DA3205C09}" type="datetimeFigureOut">
               <a:rPr lang="en-US"/>
-              <a:t>7/20/25</a:t>
+              <a:t>10/21/25</a:t>
             </a:fld>
             <a:endParaRPr lang="en-US"/>
           </a:p>
@@ -1016,7 +1016,7 @@
           <a:p>
             <a:fld id="{1D8BD707-D9CF-40AE-B4C6-C98DA3205C09}" type="datetimeFigureOut">
               <a:rPr lang="en-US"/>
-              <a:t>7/20/25</a:t>
+              <a:t>10/21/25</a:t>
             </a:fld>
             <a:endParaRPr lang="en-US"/>
           </a:p>
@@ -1243,7 +1243,7 @@
           <a:p>
             <a:fld id="{1D8BD707-D9CF-40AE-B4C6-C98DA3205C09}" type="datetimeFigureOut">
               <a:rPr lang="en-US"/>
-              <a:t>7/20/25</a:t>
+              <a:t>10/21/25</a:t>
             </a:fld>
             <a:endParaRPr lang="en-US"/>
           </a:p>
@@ -1441,7 +1441,7 @@
           <a:p>
             <a:fld id="{1D8BD707-D9CF-40AE-B4C6-C98DA3205C09}" type="datetimeFigureOut">
               <a:rPr lang="en-US"/>
-              <a:t>7/20/25</a:t>
+              <a:t>10/21/25</a:t>
             </a:fld>
             <a:endParaRPr lang="en-US"/>
           </a:p>
@@ -1717,7 +1717,7 @@
           <a:p>
             <a:fld id="{1D8BD707-D9CF-40AE-B4C6-C98DA3205C09}" type="datetimeFigureOut">
               <a:rPr lang="en-US"/>
-              <a:t>7/20/25</a:t>
+              <a:t>10/21/25</a:t>
             </a:fld>
             <a:endParaRPr lang="en-US"/>
           </a:p>
@@ -1978,7 +1978,7 @@
           <a:p>
             <a:fld id="{1D8BD707-D9CF-40AE-B4C6-C98DA3205C09}" type="datetimeFigureOut">
               <a:rPr lang="en-US"/>
-              <a:t>7/20/25</a:t>
+              <a:t>10/21/25</a:t>
             </a:fld>
             <a:endParaRPr lang="en-US"/>
           </a:p>
@@ -2276,7 +2276,7 @@
           <a:p>
             <a:fld id="{1D8BD707-D9CF-40AE-B4C6-C98DA3205C09}" type="datetimeFigureOut">
               <a:rPr lang="en-US"/>
-              <a:t>7/20/25</a:t>
+              <a:t>10/21/25</a:t>
             </a:fld>
             <a:endParaRPr lang="en-US"/>
           </a:p>
@@ -2508,7 +2508,7 @@
           <a:p>
             <a:fld id="{1D8BD707-D9CF-40AE-B4C6-C98DA3205C09}" type="datetimeFigureOut">
               <a:rPr lang="en-US"/>
-              <a:t>7/20/25</a:t>
+              <a:t>10/21/25</a:t>
             </a:fld>
             <a:endParaRPr lang="en-US"/>
           </a:p>
@@ -2864,7 +2864,7 @@
           <a:p>
             <a:fld id="{1D8BD707-D9CF-40AE-B4C6-C98DA3205C09}" type="datetimeFigureOut">
               <a:rPr lang="en-US"/>
-              <a:t>7/20/25</a:t>
+              <a:t>10/21/25</a:t>
             </a:fld>
             <a:endParaRPr lang="en-US"/>
           </a:p>
@@ -3374,7 +3374,7 @@
           <a:p>
             <a:fld id="{1D8BD707-D9CF-40AE-B4C6-C98DA3205C09}" type="datetimeFigureOut">
               <a:rPr lang="en-US"/>
-              <a:t>7/20/25</a:t>
+              <a:t>10/21/25</a:t>
             </a:fld>
             <a:endParaRPr lang="en-US"/>
           </a:p>
@@ -3884,177 +3884,6 @@
       </p:sp>
       <p:sp>
         <p:nvSpPr>
-          <p:cNvPr id="5" name="object 5"/>
-          <p:cNvSpPr txBox="1">
-            <a:spLocks noGrp="1"/>
-          </p:cNvSpPr>
-          <p:nvPr>
-            <p:ph type="ftr" sz="quarter" idx="5"/>
-          </p:nvPr>
-        </p:nvSpPr>
-        <p:spPr>
-          <a:prstGeom prst="rect">
-            <a:avLst/>
-          </a:prstGeom>
-        </p:spPr>
-        <p:txBody>
-          <a:bodyPr vert="horz" wrap="square" lIns="0" tIns="24130" rIns="0" bIns="0" rtlCol="0">
-            <a:spAutoFit/>
-          </a:bodyPr>
-          <a:lstStyle/>
-          <a:p>
-            <a:pPr marL="12700">
-              <a:lnSpc>
-                <a:spcPct val="100000"/>
-              </a:lnSpc>
-              <a:spcBef>
-                <a:spcPts val="190"/>
-              </a:spcBef>
-            </a:pPr>
-            <a:r>
-              <a:rPr dirty="0"/>
-              <a:t>Mod</a:t>
-            </a:r>
-            <a:r>
-              <a:rPr spc="80" dirty="0"/>
-              <a:t> </a:t>
-            </a:r>
-            <a:r>
-              <a:rPr dirty="0"/>
-              <a:t>Ctrl</a:t>
-            </a:r>
-            <a:r>
-              <a:rPr spc="75" dirty="0"/>
-              <a:t> </a:t>
-            </a:r>
-            <a:r>
-              <a:rPr dirty="0"/>
-              <a:t>Intro</a:t>
-            </a:r>
-            <a:r>
-              <a:rPr spc="320" dirty="0"/>
-              <a:t> </a:t>
-            </a:r>
-            <a:r>
-              <a:rPr dirty="0"/>
-              <a:t>(w</a:t>
-            </a:r>
-            <a:r>
-              <a:rPr spc="75" dirty="0"/>
-              <a:t> </a:t>
-            </a:r>
-            <a:r>
-              <a:rPr dirty="0"/>
-              <a:t>Matlab</a:t>
-            </a:r>
-            <a:r>
-              <a:rPr spc="80" dirty="0"/>
-              <a:t> &amp;</a:t>
-            </a:r>
-            <a:r>
-              <a:rPr spc="75" dirty="0"/>
-              <a:t> </a:t>
-            </a:r>
-            <a:r>
-              <a:rPr spc="-10" dirty="0"/>
-              <a:t>Python)</a:t>
-            </a:r>
-          </a:p>
-        </p:txBody>
-      </p:sp>
-      <p:sp>
-        <p:nvSpPr>
-          <p:cNvPr id="6" name="object 6"/>
-          <p:cNvSpPr txBox="1"/>
-          <p:nvPr/>
-        </p:nvSpPr>
-        <p:spPr>
-          <a:xfrm>
-            <a:off x="1850999" y="3322038"/>
-            <a:ext cx="906144" cy="137160"/>
-          </a:xfrm>
-          <a:prstGeom prst="rect">
-            <a:avLst/>
-          </a:prstGeom>
-        </p:spPr>
-        <p:txBody>
-          <a:bodyPr vert="horz" wrap="square" lIns="0" tIns="24130" rIns="0" bIns="0" rtlCol="0">
-            <a:spAutoFit/>
-          </a:bodyPr>
-          <a:lstStyle/>
-          <a:p>
-            <a:pPr marL="12700">
-              <a:lnSpc>
-                <a:spcPct val="100000"/>
-              </a:lnSpc>
-              <a:spcBef>
-                <a:spcPts val="190"/>
-              </a:spcBef>
-            </a:pPr>
-            <a:r>
-              <a:rPr sz="600" spc="-20" dirty="0">
-                <a:solidFill>
-                  <a:srgbClr val="FF84BD"/>
-                </a:solidFill>
-                <a:latin typeface="Arial"/>
-                <a:cs typeface="Arial"/>
-                <a:hlinkClick r:id="rId3" action="ppaction://hlinksldjump"/>
-              </a:rPr>
-              <a:t>Inverse</a:t>
-            </a:r>
-            <a:r>
-              <a:rPr sz="600" dirty="0">
-                <a:solidFill>
-                  <a:srgbClr val="FF84BD"/>
-                </a:solidFill>
-                <a:latin typeface="Arial"/>
-                <a:cs typeface="Arial"/>
-                <a:hlinkClick r:id="rId3" action="ppaction://hlinksldjump"/>
-              </a:rPr>
-              <a:t> </a:t>
-            </a:r>
-            <a:r>
-              <a:rPr sz="600" spc="-10" dirty="0">
-                <a:solidFill>
-                  <a:srgbClr val="FF84BD"/>
-                </a:solidFill>
-                <a:latin typeface="Arial"/>
-                <a:cs typeface="Arial"/>
-                <a:hlinkClick r:id="rId3" action="ppaction://hlinksldjump"/>
-              </a:rPr>
-              <a:t>Laplace</a:t>
-            </a:r>
-            <a:r>
-              <a:rPr sz="600" dirty="0">
-                <a:solidFill>
-                  <a:srgbClr val="FF84BD"/>
-                </a:solidFill>
-                <a:latin typeface="Arial"/>
-                <a:cs typeface="Arial"/>
-                <a:hlinkClick r:id="rId3" action="ppaction://hlinksldjump"/>
-              </a:rPr>
-              <a:t> </a:t>
-            </a:r>
-            <a:r>
-              <a:rPr sz="600" spc="-10" dirty="0">
-                <a:solidFill>
-                  <a:srgbClr val="FF84BD"/>
-                </a:solidFill>
-                <a:latin typeface="Arial"/>
-                <a:cs typeface="Arial"/>
-                <a:hlinkClick r:id="rId3" action="ppaction://hlinksldjump"/>
-              </a:rPr>
-              <a:t>Transform</a:t>
-            </a:r>
-            <a:endParaRPr sz="600">
-              <a:latin typeface="Arial"/>
-              <a:cs typeface="Arial"/>
-            </a:endParaRPr>
-          </a:p>
-        </p:txBody>
-      </p:sp>
-      <p:sp>
-        <p:nvSpPr>
           <p:cNvPr id="7" name="object 7"/>
           <p:cNvSpPr txBox="1">
             <a:spLocks noGrp="1"/>
@@ -4102,6 +3931,105 @@
               <a:rPr spc="-35" dirty="0"/>
               <a:t>17</a:t>
             </a:r>
+          </a:p>
+        </p:txBody>
+      </p:sp>
+      <p:sp>
+        <p:nvSpPr>
+          <p:cNvPr id="8" name="object 4">
+            <a:extLst>
+              <a:ext uri="{FF2B5EF4-FFF2-40B4-BE49-F238E27FC236}">
+                <a16:creationId xmlns:a16="http://schemas.microsoft.com/office/drawing/2014/main" id="{BA740D11-3B13-7F19-9A63-41C4A5D53265}"/>
+              </a:ext>
+            </a:extLst>
+          </p:cNvPr>
+          <p:cNvSpPr txBox="1">
+            <a:spLocks noGrp="1"/>
+          </p:cNvSpPr>
+          <p:nvPr>
+            <p:ph type="ftr" sz="quarter" idx="5"/>
+          </p:nvPr>
+        </p:nvSpPr>
+        <p:spPr>
+          <a:xfrm>
+            <a:off x="110426" y="3322038"/>
+            <a:ext cx="1972562" cy="116699"/>
+          </a:xfrm>
+          <a:prstGeom prst="rect">
+            <a:avLst/>
+          </a:prstGeom>
+        </p:spPr>
+        <p:txBody>
+          <a:bodyPr vert="horz" wrap="square" lIns="0" tIns="24130" rIns="0" bIns="0" rtlCol="0">
+            <a:spAutoFit/>
+          </a:bodyPr>
+          <a:lstStyle/>
+          <a:p>
+            <a:pPr marL="12700">
+              <a:lnSpc>
+                <a:spcPct val="100000"/>
+              </a:lnSpc>
+              <a:spcBef>
+                <a:spcPts val="190"/>
+              </a:spcBef>
+            </a:pPr>
+            <a:r>
+              <a:rPr dirty="0"/>
+              <a:t>Mod</a:t>
+            </a:r>
+            <a:r>
+              <a:rPr spc="80" dirty="0"/>
+              <a:t> </a:t>
+            </a:r>
+            <a:r>
+              <a:rPr dirty="0"/>
+              <a:t>Ctrl</a:t>
+            </a:r>
+            <a:r>
+              <a:rPr spc="75" dirty="0"/>
+              <a:t> </a:t>
+            </a:r>
+            <a:r>
+              <a:rPr dirty="0"/>
+              <a:t>Intro</a:t>
+            </a:r>
+            <a:r>
+              <a:rPr spc="320" dirty="0"/>
+              <a:t> </a:t>
+            </a:r>
+            <a:r>
+              <a:rPr dirty="0"/>
+              <a:t>(w</a:t>
+            </a:r>
+            <a:r>
+              <a:rPr spc="75" dirty="0"/>
+              <a:t> </a:t>
+            </a:r>
+            <a:r>
+              <a:rPr dirty="0"/>
+              <a:t>Matlab</a:t>
+            </a:r>
+            <a:r>
+              <a:rPr spc="80" dirty="0"/>
+              <a:t> &amp;</a:t>
+            </a:r>
+            <a:r>
+              <a:rPr spc="75" dirty="0"/>
+              <a:t> </a:t>
+            </a:r>
+            <a:r>
+              <a:rPr spc="-10" dirty="0"/>
+              <a:t>Python)</a:t>
+            </a:r>
+            <a:r>
+              <a:rPr lang="en-US" spc="-10" dirty="0"/>
+              <a:t>, Chen &amp; </a:t>
+            </a:r>
+            <a:r>
+              <a:rPr lang="en-US" spc="-10" dirty="0" err="1"/>
+              <a:t>Tomizuka</a:t>
+            </a:r>
+            <a:endParaRPr spc="-10" dirty="0"/>
           </a:p>
         </p:txBody>
       </p:sp>
